--- a/420_presentation_slides.pptx
+++ b/420_presentation_slides.pptx
@@ -5,7 +5,7 @@
     <p:sldMasterId id="2147483840" r:id="rId1"/>
   </p:sldMasterIdLst>
   <p:notesMasterIdLst>
-    <p:notesMasterId r:id="rId12"/>
+    <p:notesMasterId r:id="rId16"/>
   </p:notesMasterIdLst>
   <p:sldIdLst>
     <p:sldId id="256" r:id="rId2"/>
@@ -16,8 +16,12 @@
     <p:sldId id="261" r:id="rId7"/>
     <p:sldId id="262" r:id="rId8"/>
     <p:sldId id="263" r:id="rId9"/>
-    <p:sldId id="264" r:id="rId10"/>
-    <p:sldId id="265" r:id="rId11"/>
+    <p:sldId id="269" r:id="rId10"/>
+    <p:sldId id="264" r:id="rId11"/>
+    <p:sldId id="265" r:id="rId12"/>
+    <p:sldId id="266" r:id="rId13"/>
+    <p:sldId id="267" r:id="rId14"/>
+    <p:sldId id="268" r:id="rId15"/>
   </p:sldIdLst>
   <p:sldSz cx="12192000" cy="6858000"/>
   <p:notesSz cx="6858000" cy="9144000"/>
@@ -3834,6 +3838,89 @@
           <p:cNvPr id="2" name="Title 1">
             <a:extLst>
               <a:ext uri="{FF2B5EF4-FFF2-40B4-BE49-F238E27FC236}">
+                <a16:creationId xmlns:a16="http://schemas.microsoft.com/office/drawing/2014/main" id="{77C68F8E-A9A1-1D48-AABF-C8CBF10ED2A2}"/>
+              </a:ext>
+            </a:extLst>
+          </p:cNvPr>
+          <p:cNvSpPr>
+            <a:spLocks noGrp="1"/>
+          </p:cNvSpPr>
+          <p:nvPr>
+            <p:ph type="title"/>
+          </p:nvPr>
+        </p:nvSpPr>
+        <p:spPr/>
+        <p:txBody>
+          <a:bodyPr/>
+          <a:lstStyle/>
+          <a:p>
+            <a:r>
+              <a:rPr lang="en-US" dirty="0"/>
+              <a:t>Proposed Experiments</a:t>
+            </a:r>
+          </a:p>
+        </p:txBody>
+      </p:sp>
+      <p:sp>
+        <p:nvSpPr>
+          <p:cNvPr id="3" name="Text Placeholder 2">
+            <a:extLst>
+              <a:ext uri="{FF2B5EF4-FFF2-40B4-BE49-F238E27FC236}">
+                <a16:creationId xmlns:a16="http://schemas.microsoft.com/office/drawing/2014/main" id="{E84017FD-06F2-2A49-B591-BF96D443505B}"/>
+              </a:ext>
+            </a:extLst>
+          </p:cNvPr>
+          <p:cNvSpPr>
+            <a:spLocks noGrp="1"/>
+          </p:cNvSpPr>
+          <p:nvPr>
+            <p:ph type="body" idx="1"/>
+          </p:nvPr>
+        </p:nvSpPr>
+        <p:spPr/>
+        <p:txBody>
+          <a:bodyPr/>
+          <a:lstStyle/>
+          <a:p>
+            <a:endParaRPr lang="en-US"/>
+          </a:p>
+        </p:txBody>
+      </p:sp>
+    </p:spTree>
+    <p:extLst>
+      <p:ext uri="{BB962C8B-B14F-4D97-AF65-F5344CB8AC3E}">
+        <p14:creationId xmlns:p14="http://schemas.microsoft.com/office/powerpoint/2010/main" val="1092219076"/>
+      </p:ext>
+    </p:extLst>
+  </p:cSld>
+  <p:clrMapOvr>
+    <a:masterClrMapping/>
+  </p:clrMapOvr>
+</p:sld>
+</file>
+
+<file path=ppt/slides/slide11.xml><?xml version="1.0" encoding="utf-8"?>
+<p:sld xmlns:a="http://schemas.openxmlformats.org/drawingml/2006/main" xmlns:r="http://schemas.openxmlformats.org/officeDocument/2006/relationships" xmlns:p="http://schemas.openxmlformats.org/presentationml/2006/main">
+  <p:cSld>
+    <p:spTree>
+      <p:nvGrpSpPr>
+        <p:cNvPr id="1" name=""/>
+        <p:cNvGrpSpPr/>
+        <p:nvPr/>
+      </p:nvGrpSpPr>
+      <p:grpSpPr>
+        <a:xfrm>
+          <a:off x="0" y="0"/>
+          <a:ext cx="0" cy="0"/>
+          <a:chOff x="0" y="0"/>
+          <a:chExt cx="0" cy="0"/>
+        </a:xfrm>
+      </p:grpSpPr>
+      <p:sp>
+        <p:nvSpPr>
+          <p:cNvPr id="2" name="Title 1">
+            <a:extLst>
+              <a:ext uri="{FF2B5EF4-FFF2-40B4-BE49-F238E27FC236}">
                 <a16:creationId xmlns:a16="http://schemas.microsoft.com/office/drawing/2014/main" id="{78F7C2F1-8807-4E45-A09E-AE97F6E4B60E}"/>
               </a:ext>
             </a:extLst>
@@ -3895,6 +3982,268 @@
     <p:extLst>
       <p:ext uri="{BB962C8B-B14F-4D97-AF65-F5344CB8AC3E}">
         <p14:creationId xmlns:p14="http://schemas.microsoft.com/office/powerpoint/2010/main" val="4058031100"/>
+      </p:ext>
+    </p:extLst>
+  </p:cSld>
+  <p:clrMapOvr>
+    <a:masterClrMapping/>
+  </p:clrMapOvr>
+</p:sld>
+</file>
+
+<file path=ppt/slides/slide12.xml><?xml version="1.0" encoding="utf-8"?>
+<p:sld xmlns:a="http://schemas.openxmlformats.org/drawingml/2006/main" xmlns:r="http://schemas.openxmlformats.org/officeDocument/2006/relationships" xmlns:p="http://schemas.openxmlformats.org/presentationml/2006/main">
+  <p:cSld>
+    <p:spTree>
+      <p:nvGrpSpPr>
+        <p:cNvPr id="1" name=""/>
+        <p:cNvGrpSpPr/>
+        <p:nvPr/>
+      </p:nvGrpSpPr>
+      <p:grpSpPr>
+        <a:xfrm>
+          <a:off x="0" y="0"/>
+          <a:ext cx="0" cy="0"/>
+          <a:chOff x="0" y="0"/>
+          <a:chExt cx="0" cy="0"/>
+        </a:xfrm>
+      </p:grpSpPr>
+      <p:sp>
+        <p:nvSpPr>
+          <p:cNvPr id="2" name="Title 1">
+            <a:extLst>
+              <a:ext uri="{FF2B5EF4-FFF2-40B4-BE49-F238E27FC236}">
+                <a16:creationId xmlns:a16="http://schemas.microsoft.com/office/drawing/2014/main" id="{2F1AF916-2030-3B43-93CA-F88109AD4957}"/>
+              </a:ext>
+            </a:extLst>
+          </p:cNvPr>
+          <p:cNvSpPr>
+            <a:spLocks noGrp="1"/>
+          </p:cNvSpPr>
+          <p:nvPr>
+            <p:ph type="title"/>
+          </p:nvPr>
+        </p:nvSpPr>
+        <p:spPr/>
+        <p:txBody>
+          <a:bodyPr/>
+          <a:lstStyle/>
+          <a:p>
+            <a:r>
+              <a:rPr lang="en-US" dirty="0"/>
+              <a:t>Facial Extraction Algorithm Comparison</a:t>
+            </a:r>
+          </a:p>
+        </p:txBody>
+      </p:sp>
+      <p:sp>
+        <p:nvSpPr>
+          <p:cNvPr id="3" name="Content Placeholder 2">
+            <a:extLst>
+              <a:ext uri="{FF2B5EF4-FFF2-40B4-BE49-F238E27FC236}">
+                <a16:creationId xmlns:a16="http://schemas.microsoft.com/office/drawing/2014/main" id="{36493C66-2A5B-6143-B05B-9469FA134C26}"/>
+              </a:ext>
+            </a:extLst>
+          </p:cNvPr>
+          <p:cNvSpPr>
+            <a:spLocks noGrp="1"/>
+          </p:cNvSpPr>
+          <p:nvPr>
+            <p:ph idx="1"/>
+          </p:nvPr>
+        </p:nvSpPr>
+        <p:spPr/>
+        <p:txBody>
+          <a:bodyPr>
+            <a:normAutofit/>
+          </a:bodyPr>
+          <a:lstStyle/>
+          <a:p>
+            <a:pPr marL="0" indent="0">
+              <a:buNone/>
+            </a:pPr>
+            <a:r>
+              <a:rPr lang="en-US" sz="3200" dirty="0"/>
+              <a:t>How much benefit are we receiving by using </a:t>
+            </a:r>
+            <a:r>
+              <a:rPr lang="en-US" sz="3200" dirty="0" err="1"/>
+              <a:t>Fisherfaces</a:t>
+            </a:r>
+            <a:r>
+              <a:rPr lang="en-US" sz="3200" dirty="0"/>
+              <a:t> instead of Eigenfaces? </a:t>
+            </a:r>
+          </a:p>
+        </p:txBody>
+      </p:sp>
+    </p:spTree>
+    <p:extLst>
+      <p:ext uri="{BB962C8B-B14F-4D97-AF65-F5344CB8AC3E}">
+        <p14:creationId xmlns:p14="http://schemas.microsoft.com/office/powerpoint/2010/main" val="2955865970"/>
+      </p:ext>
+    </p:extLst>
+  </p:cSld>
+  <p:clrMapOvr>
+    <a:masterClrMapping/>
+  </p:clrMapOvr>
+</p:sld>
+</file>
+
+<file path=ppt/slides/slide13.xml><?xml version="1.0" encoding="utf-8"?>
+<p:sld xmlns:a="http://schemas.openxmlformats.org/drawingml/2006/main" xmlns:r="http://schemas.openxmlformats.org/officeDocument/2006/relationships" xmlns:p="http://schemas.openxmlformats.org/presentationml/2006/main">
+  <p:cSld>
+    <p:spTree>
+      <p:nvGrpSpPr>
+        <p:cNvPr id="1" name=""/>
+        <p:cNvGrpSpPr/>
+        <p:nvPr/>
+      </p:nvGrpSpPr>
+      <p:grpSpPr>
+        <a:xfrm>
+          <a:off x="0" y="0"/>
+          <a:ext cx="0" cy="0"/>
+          <a:chOff x="0" y="0"/>
+          <a:chExt cx="0" cy="0"/>
+        </a:xfrm>
+      </p:grpSpPr>
+      <p:sp>
+        <p:nvSpPr>
+          <p:cNvPr id="2" name="Title 1">
+            <a:extLst>
+              <a:ext uri="{FF2B5EF4-FFF2-40B4-BE49-F238E27FC236}">
+                <a16:creationId xmlns:a16="http://schemas.microsoft.com/office/drawing/2014/main" id="{0AC21493-0C70-EB48-A208-D3AEABF20642}"/>
+              </a:ext>
+            </a:extLst>
+          </p:cNvPr>
+          <p:cNvSpPr>
+            <a:spLocks noGrp="1"/>
+          </p:cNvSpPr>
+          <p:nvPr>
+            <p:ph type="title"/>
+          </p:nvPr>
+        </p:nvSpPr>
+        <p:spPr/>
+        <p:txBody>
+          <a:bodyPr/>
+          <a:lstStyle/>
+          <a:p>
+            <a:r>
+              <a:rPr lang="en-US" dirty="0"/>
+              <a:t>Challenges</a:t>
+            </a:r>
+          </a:p>
+        </p:txBody>
+      </p:sp>
+      <p:sp>
+        <p:nvSpPr>
+          <p:cNvPr id="3" name="Text Placeholder 2">
+            <a:extLst>
+              <a:ext uri="{FF2B5EF4-FFF2-40B4-BE49-F238E27FC236}">
+                <a16:creationId xmlns:a16="http://schemas.microsoft.com/office/drawing/2014/main" id="{2CAC5F77-5DB8-F24F-8614-E738ED57E1A8}"/>
+              </a:ext>
+            </a:extLst>
+          </p:cNvPr>
+          <p:cNvSpPr>
+            <a:spLocks noGrp="1"/>
+          </p:cNvSpPr>
+          <p:nvPr>
+            <p:ph type="body" idx="1"/>
+          </p:nvPr>
+        </p:nvSpPr>
+        <p:spPr/>
+        <p:txBody>
+          <a:bodyPr/>
+          <a:lstStyle/>
+          <a:p>
+            <a:endParaRPr lang="en-US"/>
+          </a:p>
+        </p:txBody>
+      </p:sp>
+    </p:spTree>
+    <p:extLst>
+      <p:ext uri="{BB962C8B-B14F-4D97-AF65-F5344CB8AC3E}">
+        <p14:creationId xmlns:p14="http://schemas.microsoft.com/office/powerpoint/2010/main" val="1742648857"/>
+      </p:ext>
+    </p:extLst>
+  </p:cSld>
+  <p:clrMapOvr>
+    <a:masterClrMapping/>
+  </p:clrMapOvr>
+</p:sld>
+</file>
+
+<file path=ppt/slides/slide14.xml><?xml version="1.0" encoding="utf-8"?>
+<p:sld xmlns:a="http://schemas.openxmlformats.org/drawingml/2006/main" xmlns:r="http://schemas.openxmlformats.org/officeDocument/2006/relationships" xmlns:p="http://schemas.openxmlformats.org/presentationml/2006/main">
+  <p:cSld>
+    <p:spTree>
+      <p:nvGrpSpPr>
+        <p:cNvPr id="1" name=""/>
+        <p:cNvGrpSpPr/>
+        <p:nvPr/>
+      </p:nvGrpSpPr>
+      <p:grpSpPr>
+        <a:xfrm>
+          <a:off x="0" y="0"/>
+          <a:ext cx="0" cy="0"/>
+          <a:chOff x="0" y="0"/>
+          <a:chExt cx="0" cy="0"/>
+        </a:xfrm>
+      </p:grpSpPr>
+      <p:sp>
+        <p:nvSpPr>
+          <p:cNvPr id="2" name="Title 1">
+            <a:extLst>
+              <a:ext uri="{FF2B5EF4-FFF2-40B4-BE49-F238E27FC236}">
+                <a16:creationId xmlns:a16="http://schemas.microsoft.com/office/drawing/2014/main" id="{FC3CACA4-7959-FB4E-BFD2-E71CBD356C3E}"/>
+              </a:ext>
+            </a:extLst>
+          </p:cNvPr>
+          <p:cNvSpPr>
+            <a:spLocks noGrp="1"/>
+          </p:cNvSpPr>
+          <p:nvPr>
+            <p:ph type="title"/>
+          </p:nvPr>
+        </p:nvSpPr>
+        <p:spPr/>
+        <p:txBody>
+          <a:bodyPr/>
+          <a:lstStyle/>
+          <a:p>
+            <a:endParaRPr lang="en-US" dirty="0"/>
+          </a:p>
+        </p:txBody>
+      </p:sp>
+      <p:sp>
+        <p:nvSpPr>
+          <p:cNvPr id="3" name="Content Placeholder 2">
+            <a:extLst>
+              <a:ext uri="{FF2B5EF4-FFF2-40B4-BE49-F238E27FC236}">
+                <a16:creationId xmlns:a16="http://schemas.microsoft.com/office/drawing/2014/main" id="{E043143E-A439-4340-8213-5E63EE3E1B95}"/>
+              </a:ext>
+            </a:extLst>
+          </p:cNvPr>
+          <p:cNvSpPr>
+            <a:spLocks noGrp="1"/>
+          </p:cNvSpPr>
+          <p:nvPr>
+            <p:ph idx="1"/>
+          </p:nvPr>
+        </p:nvSpPr>
+        <p:spPr/>
+        <p:txBody>
+          <a:bodyPr/>
+          <a:lstStyle/>
+          <a:p>
+            <a:endParaRPr lang="en-US"/>
+          </a:p>
+        </p:txBody>
+      </p:sp>
+    </p:spTree>
+    <p:extLst>
+      <p:ext uri="{BB962C8B-B14F-4D97-AF65-F5344CB8AC3E}">
+        <p14:creationId xmlns:p14="http://schemas.microsoft.com/office/powerpoint/2010/main" val="1524397981"/>
       </p:ext>
     </p:extLst>
   </p:cSld>
@@ -4362,18 +4711,7 @@
           <a:bodyPr/>
           <a:lstStyle/>
           <a:p>
-            <a:r>
-              <a:rPr lang="en-US" dirty="0"/>
-              <a:t>Inspired by and modified from </a:t>
-            </a:r>
-            <a:r>
-              <a:rPr lang="en-US" b="1" dirty="0"/>
-              <a:t>Eigenfaces</a:t>
-            </a:r>
-            <a:r>
-              <a:rPr lang="en-US" dirty="0"/>
-              <a:t>. </a:t>
-            </a:r>
+            <a:endParaRPr lang="en-US" dirty="0"/>
           </a:p>
         </p:txBody>
       </p:sp>
@@ -4591,11 +4929,8 @@
           <a:p>
             <a:r>
               <a:rPr lang="en-US" dirty="0"/>
-              <a:t>Theoretically has a better performance than PCA</a:t>
-            </a:r>
-          </a:p>
-          <a:p>
-            <a:endParaRPr lang="en-US" dirty="0"/>
+              <a:t>Theoretically has a better performance than other promised algorithms, like Eigenfaces/PCA</a:t>
+            </a:r>
           </a:p>
         </p:txBody>
       </p:sp>
@@ -4685,19 +5020,7 @@
             </a:pPr>
             <a:r>
               <a:rPr lang="en-US" sz="3200" dirty="0"/>
-              <a:t>Multi-layer Perception Classifier</a:t>
-            </a:r>
-          </a:p>
-          <a:p>
-            <a:pPr marL="0" indent="0">
-              <a:buNone/>
-            </a:pPr>
-            <a:endParaRPr lang="en-US" dirty="0"/>
-          </a:p>
-          <a:p>
-            <a:r>
-              <a:rPr lang="en-US" dirty="0"/>
-              <a:t>Enables early-stopping to prevent overfitting</a:t>
+              <a:t>Convolutional Neural Network Classifier</a:t>
             </a:r>
           </a:p>
         </p:txBody>
@@ -4737,7 +5060,7 @@
           <p:cNvPr id="2" name="Title 1">
             <a:extLst>
               <a:ext uri="{FF2B5EF4-FFF2-40B4-BE49-F238E27FC236}">
-                <a16:creationId xmlns:a16="http://schemas.microsoft.com/office/drawing/2014/main" id="{77C68F8E-A9A1-1D48-AABF-C8CBF10ED2A2}"/>
+                <a16:creationId xmlns:a16="http://schemas.microsoft.com/office/drawing/2014/main" id="{C5E77427-6DD8-9B47-B64F-7C6A69DE054A}"/>
               </a:ext>
             </a:extLst>
           </p:cNvPr>
@@ -4755,17 +5078,17 @@
           <a:p>
             <a:r>
               <a:rPr lang="en-US" dirty="0"/>
-              <a:t>Proposed Experiments</a:t>
-            </a:r>
-          </a:p>
-        </p:txBody>
-      </p:sp>
-      <p:sp>
-        <p:nvSpPr>
-          <p:cNvPr id="3" name="Text Placeholder 2">
+              <a:t>Innovations</a:t>
+            </a:r>
+          </a:p>
+        </p:txBody>
+      </p:sp>
+      <p:sp>
+        <p:nvSpPr>
+          <p:cNvPr id="3" name="Content Placeholder 2">
             <a:extLst>
               <a:ext uri="{FF2B5EF4-FFF2-40B4-BE49-F238E27FC236}">
-                <a16:creationId xmlns:a16="http://schemas.microsoft.com/office/drawing/2014/main" id="{E84017FD-06F2-2A49-B591-BF96D443505B}"/>
+                <a16:creationId xmlns:a16="http://schemas.microsoft.com/office/drawing/2014/main" id="{00B89D18-8C7C-D44D-B98E-A8755A6BFE40}"/>
               </a:ext>
             </a:extLst>
           </p:cNvPr>
@@ -4773,22 +5096,39 @@
             <a:spLocks noGrp="1"/>
           </p:cNvSpPr>
           <p:nvPr>
-            <p:ph type="body" idx="1"/>
-          </p:nvPr>
-        </p:nvSpPr>
-        <p:spPr/>
-        <p:txBody>
-          <a:bodyPr/>
-          <a:lstStyle/>
-          <a:p>
-            <a:endParaRPr lang="en-US"/>
+            <p:ph idx="1"/>
+          </p:nvPr>
+        </p:nvSpPr>
+        <p:spPr/>
+        <p:txBody>
+          <a:bodyPr/>
+          <a:lstStyle/>
+          <a:p>
+            <a:r>
+              <a:rPr lang="en-US" dirty="0"/>
+              <a:t>Combines </a:t>
+            </a:r>
+            <a:r>
+              <a:rPr lang="en-US" dirty="0" err="1"/>
+              <a:t>Fisherfaces</a:t>
+            </a:r>
+            <a:r>
+              <a:rPr lang="en-US" dirty="0"/>
+              <a:t> and Viola-Jones;</a:t>
+            </a:r>
+          </a:p>
+          <a:p>
+            <a:r>
+              <a:rPr lang="en-US" dirty="0"/>
+              <a:t>Allow for versatility on more general images</a:t>
+            </a:r>
           </a:p>
         </p:txBody>
       </p:sp>
     </p:spTree>
     <p:extLst>
       <p:ext uri="{BB962C8B-B14F-4D97-AF65-F5344CB8AC3E}">
-        <p14:creationId xmlns:p14="http://schemas.microsoft.com/office/powerpoint/2010/main" val="1092219076"/>
+        <p14:creationId xmlns:p14="http://schemas.microsoft.com/office/powerpoint/2010/main" val="1925116361"/>
       </p:ext>
     </p:extLst>
   </p:cSld>

--- a/420_presentation_slides.pptx
+++ b/420_presentation_slides.pptx
@@ -5,7 +5,7 @@
     <p:sldMasterId id="2147483840" r:id="rId1"/>
   </p:sldMasterIdLst>
   <p:notesMasterIdLst>
-    <p:notesMasterId r:id="rId16"/>
+    <p:notesMasterId r:id="rId17"/>
   </p:notesMasterIdLst>
   <p:sldIdLst>
     <p:sldId id="256" r:id="rId2"/>
@@ -22,6 +22,7 @@
     <p:sldId id="266" r:id="rId13"/>
     <p:sldId id="267" r:id="rId14"/>
     <p:sldId id="268" r:id="rId15"/>
+    <p:sldId id="270" r:id="rId16"/>
   </p:sldIdLst>
   <p:sldSz cx="12192000" cy="6858000"/>
   <p:notesSz cx="6858000" cy="9144000"/>
@@ -4211,7 +4212,10 @@
           <a:bodyPr/>
           <a:lstStyle/>
           <a:p>
-            <a:endParaRPr lang="en-US" dirty="0"/>
+            <a:r>
+              <a:rPr lang="en-US" dirty="0"/>
+              <a:t>Challenges</a:t>
+            </a:r>
           </a:p>
         </p:txBody>
       </p:sp>
@@ -4236,7 +4240,37 @@
           <a:bodyPr/>
           <a:lstStyle/>
           <a:p>
-            <a:endParaRPr lang="en-US"/>
+            <a:r>
+              <a:rPr lang="en-US" dirty="0"/>
+              <a:t>Instability in the outcomes of </a:t>
+            </a:r>
+            <a:r>
+              <a:rPr lang="en-US" dirty="0">
+                <a:latin typeface="Lucida Sans Typewriter" panose="020B0509030504030204" pitchFamily="49" charset="77"/>
+              </a:rPr>
+              <a:t>cv2.detectMultiScale</a:t>
+            </a:r>
+            <a:r>
+              <a:rPr lang="en-US" dirty="0"/>
+              <a:t>;</a:t>
+            </a:r>
+          </a:p>
+          <a:p>
+            <a:r>
+              <a:rPr lang="en-US" dirty="0"/>
+              <a:t>Difficulty in the implementation of </a:t>
+            </a:r>
+            <a:r>
+              <a:rPr lang="en-US" dirty="0" err="1"/>
+              <a:t>Fisherfaces</a:t>
+            </a:r>
+            <a:r>
+              <a:rPr lang="en-US" dirty="0"/>
+              <a:t>.</a:t>
+            </a:r>
+          </a:p>
+          <a:p>
+            <a:endParaRPr lang="en-US" dirty="0"/>
           </a:p>
         </p:txBody>
       </p:sp>
@@ -4244,6 +4278,91 @@
     <p:extLst>
       <p:ext uri="{BB962C8B-B14F-4D97-AF65-F5344CB8AC3E}">
         <p14:creationId xmlns:p14="http://schemas.microsoft.com/office/powerpoint/2010/main" val="1524397981"/>
+      </p:ext>
+    </p:extLst>
+  </p:cSld>
+  <p:clrMapOvr>
+    <a:masterClrMapping/>
+  </p:clrMapOvr>
+</p:sld>
+</file>
+
+<file path=ppt/slides/slide15.xml><?xml version="1.0" encoding="utf-8"?>
+<p:sld xmlns:a="http://schemas.openxmlformats.org/drawingml/2006/main" xmlns:r="http://schemas.openxmlformats.org/officeDocument/2006/relationships" xmlns:p="http://schemas.openxmlformats.org/presentationml/2006/main">
+  <p:cSld>
+    <p:spTree>
+      <p:nvGrpSpPr>
+        <p:cNvPr id="1" name=""/>
+        <p:cNvGrpSpPr/>
+        <p:nvPr/>
+      </p:nvGrpSpPr>
+      <p:grpSpPr>
+        <a:xfrm>
+          <a:off x="0" y="0"/>
+          <a:ext cx="0" cy="0"/>
+          <a:chOff x="0" y="0"/>
+          <a:chExt cx="0" cy="0"/>
+        </a:xfrm>
+      </p:grpSpPr>
+      <p:sp>
+        <p:nvSpPr>
+          <p:cNvPr id="2" name="Title 1">
+            <a:extLst>
+              <a:ext uri="{FF2B5EF4-FFF2-40B4-BE49-F238E27FC236}">
+                <a16:creationId xmlns:a16="http://schemas.microsoft.com/office/drawing/2014/main" id="{1A7FCE75-D818-5949-B265-CC89CD55BE94}"/>
+              </a:ext>
+            </a:extLst>
+          </p:cNvPr>
+          <p:cNvSpPr>
+            <a:spLocks noGrp="1"/>
+          </p:cNvSpPr>
+          <p:nvPr>
+            <p:ph type="title"/>
+          </p:nvPr>
+        </p:nvSpPr>
+        <p:spPr/>
+        <p:txBody>
+          <a:bodyPr>
+            <a:normAutofit/>
+          </a:bodyPr>
+          <a:lstStyle/>
+          <a:p>
+            <a:r>
+              <a:rPr lang="en-US" sz="4000" dirty="0"/>
+              <a:t>Thank you for your attention. </a:t>
+            </a:r>
+          </a:p>
+        </p:txBody>
+      </p:sp>
+      <p:sp>
+        <p:nvSpPr>
+          <p:cNvPr id="3" name="Text Placeholder 2">
+            <a:extLst>
+              <a:ext uri="{FF2B5EF4-FFF2-40B4-BE49-F238E27FC236}">
+                <a16:creationId xmlns:a16="http://schemas.microsoft.com/office/drawing/2014/main" id="{EB646803-97D7-5345-8DAC-E9156AA9B3FA}"/>
+              </a:ext>
+            </a:extLst>
+          </p:cNvPr>
+          <p:cNvSpPr>
+            <a:spLocks noGrp="1"/>
+          </p:cNvSpPr>
+          <p:nvPr>
+            <p:ph type="body" idx="1"/>
+          </p:nvPr>
+        </p:nvSpPr>
+        <p:spPr/>
+        <p:txBody>
+          <a:bodyPr/>
+          <a:lstStyle/>
+          <a:p>
+            <a:endParaRPr lang="en-US"/>
+          </a:p>
+        </p:txBody>
+      </p:sp>
+    </p:spTree>
+    <p:extLst>
+      <p:ext uri="{BB962C8B-B14F-4D97-AF65-F5344CB8AC3E}">
+        <p14:creationId xmlns:p14="http://schemas.microsoft.com/office/powerpoint/2010/main" val="2514852540"/>
       </p:ext>
     </p:extLst>
   </p:cSld>
